--- a/Presentation1.pptx
+++ b/Presentation1.pptx
@@ -3339,7 +3339,7 @@
         </p:nvSpPr>
         <p:spPr>
           <a:xfrm>
-            <a:off x="378373" y="4122684"/>
+            <a:off x="378373" y="5194739"/>
             <a:ext cx="11592910" cy="2387600"/>
           </a:xfrm>
         </p:spPr>
@@ -3383,27 +3383,64 @@
             <a:br>
               <a:rPr lang="en-US" sz="4900" dirty="0"/>
             </a:br>
+            <a:r>
+              <a:rPr lang="en-US" sz="4900" dirty="0">
+                <a:hlinkClick r:id="rId3"/>
+              </a:rPr>
+              <a:t>developer.ibm.com/startups/</a:t>
+            </a:r>
             <a:br>
               <a:rPr lang="en-US" sz="4900" dirty="0"/>
             </a:br>
-            <a:r>
-              <a:rPr lang="en-US" sz="4900" dirty="0"/>
-              <a:t>Startups/</a:t>
-            </a:r>
-            <a:r>
-              <a:rPr lang="en-US" sz="4900" dirty="0" err="1"/>
-              <a:t>DevComms</a:t>
-            </a:r>
-            <a:r>
-              <a:rPr lang="en-US" sz="4900" dirty="0"/>
-              <a:t>/PYMEs:</a:t>
-            </a:r>
             <a:br>
               <a:rPr lang="en-US" sz="4900" dirty="0"/>
             </a:br>
             <a:r>
+              <a:rPr lang="en-US" sz="4900" dirty="0" err="1"/>
+              <a:t>Cuenta</a:t>
+            </a:r>
+            <a:r>
+              <a:rPr lang="en-US" sz="4900" dirty="0"/>
+              <a:t> de </a:t>
+            </a:r>
+            <a:r>
+              <a:rPr lang="en-US" sz="4900" dirty="0" err="1"/>
+              <a:t>ibm</a:t>
+            </a:r>
+            <a:r>
+              <a:rPr lang="en-US" sz="4900" dirty="0"/>
+              <a:t> cloud: </a:t>
+            </a:r>
+            <a:r>
+              <a:rPr lang="en-US" sz="4000" dirty="0">
+                <a:hlinkClick r:id="rId4"/>
+              </a:rPr>
+              <a:t>ibm.biz/KodemiaBootcamp</a:t>
+            </a:r>
+            <a:br>
+              <a:rPr lang="en-US" sz="4900" dirty="0"/>
+            </a:br>
+            <a:br>
+              <a:rPr lang="en-US" sz="4900" dirty="0"/>
+            </a:br>
+            <a:r>
+              <a:rPr lang="en-US" sz="4900" dirty="0"/>
+              <a:t>Startups/</a:t>
+            </a:r>
+            <a:r>
+              <a:rPr lang="en-US" sz="4900" dirty="0" err="1"/>
+              <a:t>DevComms</a:t>
+            </a:r>
+            <a:r>
+              <a:rPr lang="en-US" sz="4900" dirty="0"/>
+              <a:t>/PYMEs:</a:t>
+            </a:r>
+            <a:br>
+              <a:rPr lang="en-US" sz="4900" dirty="0"/>
+            </a:br>
+            <a:r>
               <a:rPr lang="en-US" sz="4900" dirty="0">
-                <a:hlinkClick r:id="rId3"/>
+                <a:hlinkClick r:id="rId5"/>
               </a:rPr>
               <a:t>i.carrada@ibm.com</a:t>
             </a:r>
